--- a/MiniProjectInitial.pptx
+++ b/MiniProjectInitial.pptx
@@ -5379,7 +5379,7 @@
           <a:p>
             <a:fld id="{82EDB8D0-98ED-4B86-9D5F-E61ADC70144D}" type="datetimeFigureOut">
               <a:rPr lang="en-US" smtClean="0"/>
-              <a:t>4/12/2021</a:t>
+              <a:t>6/12/2021</a:t>
             </a:fld>
             <a:endParaRPr lang="en-US" dirty="0"/>
           </a:p>
@@ -5794,7 +5794,7 @@
           <a:p>
             <a:fld id="{82EDB8D0-98ED-4B86-9D5F-E61ADC70144D}" type="datetimeFigureOut">
               <a:rPr lang="en-US" smtClean="0"/>
-              <a:t>4/12/2021</a:t>
+              <a:t>6/12/2021</a:t>
             </a:fld>
             <a:endParaRPr lang="en-US"/>
           </a:p>
@@ -6286,7 +6286,7 @@
           <a:p>
             <a:fld id="{82EDB8D0-98ED-4B86-9D5F-E61ADC70144D}" type="datetimeFigureOut">
               <a:rPr lang="en-US" smtClean="0"/>
-              <a:t>4/12/2021</a:t>
+              <a:t>6/12/2021</a:t>
             </a:fld>
             <a:endParaRPr lang="en-US"/>
           </a:p>
@@ -6773,7 +6773,7 @@
           <a:p>
             <a:fld id="{82EDB8D0-98ED-4B86-9D5F-E61ADC70144D}" type="datetimeFigureOut">
               <a:rPr lang="en-US" smtClean="0"/>
-              <a:t>4/12/2021</a:t>
+              <a:t>6/12/2021</a:t>
             </a:fld>
             <a:endParaRPr lang="en-US" dirty="0"/>
           </a:p>
@@ -7542,7 +7542,7 @@
           <a:p>
             <a:fld id="{82EDB8D0-98ED-4B86-9D5F-E61ADC70144D}" type="datetimeFigureOut">
               <a:rPr lang="en-US" smtClean="0"/>
-              <a:t>4/12/2021</a:t>
+              <a:t>6/12/2021</a:t>
             </a:fld>
             <a:endParaRPr lang="en-US"/>
           </a:p>
@@ -8024,7 +8024,7 @@
           <a:p>
             <a:fld id="{82EDB8D0-98ED-4B86-9D5F-E61ADC70144D}" type="datetimeFigureOut">
               <a:rPr lang="en-US" smtClean="0"/>
-              <a:t>4/12/2021</a:t>
+              <a:t>6/12/2021</a:t>
             </a:fld>
             <a:endParaRPr lang="en-US"/>
           </a:p>
@@ -8720,7 +8720,7 @@
           <a:p>
             <a:fld id="{82EDB8D0-98ED-4B86-9D5F-E61ADC70144D}" type="datetimeFigureOut">
               <a:rPr lang="en-US" smtClean="0"/>
-              <a:t>4/12/2021</a:t>
+              <a:t>6/12/2021</a:t>
             </a:fld>
             <a:endParaRPr lang="en-US"/>
           </a:p>
@@ -9145,7 +9145,7 @@
           <a:p>
             <a:fld id="{82EDB8D0-98ED-4B86-9D5F-E61ADC70144D}" type="datetimeFigureOut">
               <a:rPr lang="en-US" smtClean="0"/>
-              <a:t>4/12/2021</a:t>
+              <a:t>6/12/2021</a:t>
             </a:fld>
             <a:endParaRPr lang="en-US"/>
           </a:p>
@@ -9542,7 +9542,7 @@
           <a:p>
             <a:fld id="{82EDB8D0-98ED-4B86-9D5F-E61ADC70144D}" type="datetimeFigureOut">
               <a:rPr lang="en-US" smtClean="0"/>
-              <a:t>4/12/2021</a:t>
+              <a:t>6/12/2021</a:t>
             </a:fld>
             <a:endParaRPr lang="en-US"/>
           </a:p>
@@ -10137,7 +10137,7 @@
           <a:p>
             <a:fld id="{82EDB8D0-98ED-4B86-9D5F-E61ADC70144D}" type="datetimeFigureOut">
               <a:rPr lang="en-US" smtClean="0"/>
-              <a:t>4/12/2021</a:t>
+              <a:t>6/12/2021</a:t>
             </a:fld>
             <a:endParaRPr lang="en-US"/>
           </a:p>
@@ -10712,7 +10712,7 @@
           <a:p>
             <a:fld id="{82EDB8D0-98ED-4B86-9D5F-E61ADC70144D}" type="datetimeFigureOut">
               <a:rPr lang="en-US" smtClean="0"/>
-              <a:t>4/12/2021</a:t>
+              <a:t>6/12/2021</a:t>
             </a:fld>
             <a:endParaRPr lang="en-US"/>
           </a:p>
@@ -11239,7 +11239,7 @@
             <a:fld id="{82EDB8D0-98ED-4B86-9D5F-E61ADC70144D}" type="datetimeFigureOut">
               <a:rPr lang="en-US" smtClean="0"/>
               <a:pPr/>
-              <a:t>4/12/2021</a:t>
+              <a:t>6/12/2021</a:t>
             </a:fld>
             <a:endParaRPr lang="en-US" dirty="0"/>
           </a:p>
@@ -12277,7 +12277,7 @@
             </a:br>
             <a:r>
               <a:rPr lang="en-US" sz="2800" dirty="0"/>
-              <a:t>Mentor : </a:t>
+              <a:t>Guide : </a:t>
             </a:r>
             <a:r>
               <a:rPr lang="en-US" sz="2400" dirty="0"/>
